--- a/최종발표/최종발표 PPT 사본.pptx
+++ b/최종발표/최종발표 PPT 사본.pptx
@@ -5,7 +5,7 @@
     <p:sldMasterId id="2147483658" r:id="rId4"/>
   </p:sldMasterIdLst>
   <p:notesMasterIdLst>
-    <p:notesMasterId r:id="rId33"/>
+    <p:notesMasterId r:id="rId34"/>
   </p:notesMasterIdLst>
   <p:sldIdLst>
     <p:sldId id="256" r:id="rId5"/>
@@ -25,53 +25,54 @@
     <p:sldId id="305" r:id="rId19"/>
     <p:sldId id="321" r:id="rId20"/>
     <p:sldId id="306" r:id="rId21"/>
-    <p:sldId id="307" r:id="rId22"/>
-    <p:sldId id="308" r:id="rId23"/>
-    <p:sldId id="309" r:id="rId24"/>
-    <p:sldId id="310" r:id="rId25"/>
-    <p:sldId id="311" r:id="rId26"/>
-    <p:sldId id="312" r:id="rId27"/>
-    <p:sldId id="313" r:id="rId28"/>
-    <p:sldId id="314" r:id="rId29"/>
-    <p:sldId id="315" r:id="rId30"/>
-    <p:sldId id="316" r:id="rId31"/>
-    <p:sldId id="320" r:id="rId32"/>
+    <p:sldId id="308" r:id="rId22"/>
+    <p:sldId id="309" r:id="rId23"/>
+    <p:sldId id="310" r:id="rId24"/>
+    <p:sldId id="311" r:id="rId25"/>
+    <p:sldId id="312" r:id="rId26"/>
+    <p:sldId id="313" r:id="rId27"/>
+    <p:sldId id="314" r:id="rId28"/>
+    <p:sldId id="315" r:id="rId29"/>
+    <p:sldId id="316" r:id="rId30"/>
+    <p:sldId id="320" r:id="rId31"/>
+    <p:sldId id="322" r:id="rId32"/>
+    <p:sldId id="323" r:id="rId33"/>
   </p:sldIdLst>
   <p:sldSz cx="9144000" cy="5143500" type="screen16x9"/>
   <p:notesSz cx="6858000" cy="9144000"/>
   <p:embeddedFontLst>
     <p:embeddedFont>
       <p:font typeface="210 M고딕 030" panose="02020603020101020101" pitchFamily="18" charset="-127"/>
-      <p:regular r:id="rId34"/>
+      <p:regular r:id="rId35"/>
     </p:embeddedFont>
     <p:embeddedFont>
       <p:font typeface="210 M고딕 060" panose="02020603020101020101" pitchFamily="18" charset="-127"/>
-      <p:regular r:id="rId35"/>
+      <p:regular r:id="rId36"/>
     </p:embeddedFont>
     <p:embeddedFont>
       <p:font typeface="Oswald" panose="00000500000000000000" pitchFamily="2" charset="0"/>
-      <p:regular r:id="rId36"/>
-      <p:bold r:id="rId37"/>
+      <p:regular r:id="rId37"/>
+      <p:bold r:id="rId38"/>
     </p:embeddedFont>
     <p:embeddedFont>
       <p:font typeface="Roboto Condensed" panose="02000000000000000000" pitchFamily="2" charset="0"/>
-      <p:regular r:id="rId38"/>
-      <p:bold r:id="rId39"/>
-      <p:italic r:id="rId40"/>
-      <p:boldItalic r:id="rId41"/>
+      <p:regular r:id="rId39"/>
+      <p:bold r:id="rId40"/>
+      <p:italic r:id="rId41"/>
+      <p:boldItalic r:id="rId42"/>
     </p:embeddedFont>
     <p:embeddedFont>
       <p:font typeface="나눔고딕" panose="020D0604000000000000" pitchFamily="50" charset="-127"/>
-      <p:regular r:id="rId42"/>
-      <p:bold r:id="rId43"/>
+      <p:regular r:id="rId43"/>
+      <p:bold r:id="rId44"/>
     </p:embeddedFont>
     <p:embeddedFont>
       <p:font typeface="나눔고딕 ExtraBold" panose="020D0904000000000000" pitchFamily="50" charset="-127"/>
-      <p:bold r:id="rId44"/>
+      <p:bold r:id="rId45"/>
     </p:embeddedFont>
     <p:embeddedFont>
       <p:font typeface="휴먼엑스포" panose="02030504000101010101" pitchFamily="18" charset="-127"/>
-      <p:regular r:id="rId45"/>
+      <p:regular r:id="rId46"/>
     </p:embeddedFont>
   </p:embeddedFontLst>
   <p:defaultTextStyle>
@@ -8229,7 +8230,19 @@
               </a:spcAft>
               <a:buNone/>
             </a:pPr>
-            <a:endParaRPr/>
+            <a:r>
+              <a:rPr lang="ko-KR" altLang="en-US" dirty="0"/>
+              <a:t>추후 최신 </a:t>
+            </a:r>
+            <a:r>
+              <a:rPr lang="ko-KR" altLang="en-US" dirty="0" err="1"/>
+              <a:t>간트</a:t>
+            </a:r>
+            <a:r>
+              <a:rPr lang="ko-KR" altLang="en-US" dirty="0"/>
+              <a:t> 차트 캡처로 이미지를 바꿀 것</a:t>
+            </a:r>
+            <a:endParaRPr dirty="0"/>
           </a:p>
         </p:txBody>
       </p:sp>
@@ -8345,7 +8358,7 @@
     </p:spTree>
     <p:extLst>
       <p:ext uri="{BB962C8B-B14F-4D97-AF65-F5344CB8AC3E}">
-        <p14:creationId xmlns:p14="http://schemas.microsoft.com/office/powerpoint/2010/main" val="1189801853"/>
+        <p14:creationId xmlns:p14="http://schemas.microsoft.com/office/powerpoint/2010/main" val="2375872387"/>
       </p:ext>
     </p:extLst>
   </p:cSld>
@@ -8454,7 +8467,7 @@
     </p:spTree>
     <p:extLst>
       <p:ext uri="{BB962C8B-B14F-4D97-AF65-F5344CB8AC3E}">
-        <p14:creationId xmlns:p14="http://schemas.microsoft.com/office/powerpoint/2010/main" val="2375872387"/>
+        <p14:creationId xmlns:p14="http://schemas.microsoft.com/office/powerpoint/2010/main" val="755291170"/>
       </p:ext>
     </p:extLst>
   </p:cSld>
@@ -8563,7 +8576,7 @@
     </p:spTree>
     <p:extLst>
       <p:ext uri="{BB962C8B-B14F-4D97-AF65-F5344CB8AC3E}">
-        <p14:creationId xmlns:p14="http://schemas.microsoft.com/office/powerpoint/2010/main" val="755291170"/>
+        <p14:creationId xmlns:p14="http://schemas.microsoft.com/office/powerpoint/2010/main" val="1312679431"/>
       </p:ext>
     </p:extLst>
   </p:cSld>
@@ -8853,7 +8866,7 @@
     </p:spTree>
     <p:extLst>
       <p:ext uri="{BB962C8B-B14F-4D97-AF65-F5344CB8AC3E}">
-        <p14:creationId xmlns:p14="http://schemas.microsoft.com/office/powerpoint/2010/main" val="1312679431"/>
+        <p14:creationId xmlns:p14="http://schemas.microsoft.com/office/powerpoint/2010/main" val="976240161"/>
       </p:ext>
     </p:extLst>
   </p:cSld>
@@ -8962,7 +8975,7 @@
     </p:spTree>
     <p:extLst>
       <p:ext uri="{BB962C8B-B14F-4D97-AF65-F5344CB8AC3E}">
-        <p14:creationId xmlns:p14="http://schemas.microsoft.com/office/powerpoint/2010/main" val="976240161"/>
+        <p14:creationId xmlns:p14="http://schemas.microsoft.com/office/powerpoint/2010/main" val="2377323038"/>
       </p:ext>
     </p:extLst>
   </p:cSld>
@@ -9071,7 +9084,7 @@
     </p:spTree>
     <p:extLst>
       <p:ext uri="{BB962C8B-B14F-4D97-AF65-F5344CB8AC3E}">
-        <p14:creationId xmlns:p14="http://schemas.microsoft.com/office/powerpoint/2010/main" val="2377323038"/>
+        <p14:creationId xmlns:p14="http://schemas.microsoft.com/office/powerpoint/2010/main" val="244825142"/>
       </p:ext>
     </p:extLst>
   </p:cSld>
@@ -9180,7 +9193,7 @@
     </p:spTree>
     <p:extLst>
       <p:ext uri="{BB962C8B-B14F-4D97-AF65-F5344CB8AC3E}">
-        <p14:creationId xmlns:p14="http://schemas.microsoft.com/office/powerpoint/2010/main" val="244825142"/>
+        <p14:creationId xmlns:p14="http://schemas.microsoft.com/office/powerpoint/2010/main" val="2780077345"/>
       </p:ext>
     </p:extLst>
   </p:cSld>
@@ -9282,115 +9295,6 @@
               </a:spcAft>
               <a:buNone/>
             </a:pPr>
-            <a:endParaRPr/>
-          </a:p>
-        </p:txBody>
-      </p:sp>
-    </p:spTree>
-    <p:extLst>
-      <p:ext uri="{BB962C8B-B14F-4D97-AF65-F5344CB8AC3E}">
-        <p14:creationId xmlns:p14="http://schemas.microsoft.com/office/powerpoint/2010/main" val="2780077345"/>
-      </p:ext>
-    </p:extLst>
-  </p:cSld>
-  <p:clrMapOvr>
-    <a:masterClrMapping/>
-  </p:clrMapOvr>
-</p:notes>
-</file>
-
-<file path=ppt/notesSlides/notesSlide25.xml><?xml version="1.0" encoding="utf-8"?>
-<p:notes xmlns:a="http://schemas.openxmlformats.org/drawingml/2006/main" xmlns:r="http://schemas.openxmlformats.org/officeDocument/2006/relationships" xmlns:p="http://schemas.openxmlformats.org/presentationml/2006/main" showMasterSp="0" showMasterPhAnim="0">
-  <p:cSld>
-    <p:spTree>
-      <p:nvGrpSpPr>
-        <p:cNvPr id="1" name="Shape 168"/>
-        <p:cNvGrpSpPr/>
-        <p:nvPr/>
-      </p:nvGrpSpPr>
-      <p:grpSpPr>
-        <a:xfrm>
-          <a:off x="0" y="0"/>
-          <a:ext cx="0" cy="0"/>
-          <a:chOff x="0" y="0"/>
-          <a:chExt cx="0" cy="0"/>
-        </a:xfrm>
-      </p:grpSpPr>
-      <p:sp>
-        <p:nvSpPr>
-          <p:cNvPr id="169" name="Google Shape;169;g3606f1c2d_30:notes"/>
-          <p:cNvSpPr>
-            <a:spLocks noGrp="1" noRot="1" noChangeAspect="1"/>
-          </p:cNvSpPr>
-          <p:nvPr>
-            <p:ph type="sldImg" idx="2"/>
-          </p:nvPr>
-        </p:nvSpPr>
-        <p:spPr>
-          <a:xfrm>
-            <a:off x="381000" y="685800"/>
-            <a:ext cx="6096000" cy="3429000"/>
-          </a:xfrm>
-          <a:custGeom>
-            <a:avLst/>
-            <a:gdLst/>
-            <a:ahLst/>
-            <a:cxnLst/>
-            <a:rect l="l" t="t" r="r" b="b"/>
-            <a:pathLst>
-              <a:path w="120000" h="120000" extrusionOk="0">
-                <a:moveTo>
-                  <a:pt x="0" y="0"/>
-                </a:moveTo>
-                <a:lnTo>
-                  <a:pt x="120000" y="0"/>
-                </a:lnTo>
-                <a:lnTo>
-                  <a:pt x="120000" y="120000"/>
-                </a:lnTo>
-                <a:lnTo>
-                  <a:pt x="0" y="120000"/>
-                </a:lnTo>
-                <a:close/>
-              </a:path>
-            </a:pathLst>
-          </a:custGeom>
-        </p:spPr>
-      </p:sp>
-      <p:sp>
-        <p:nvSpPr>
-          <p:cNvPr id="170" name="Google Shape;170;g3606f1c2d_30:notes"/>
-          <p:cNvSpPr txBox="1">
-            <a:spLocks noGrp="1"/>
-          </p:cNvSpPr>
-          <p:nvPr>
-            <p:ph type="body" idx="1"/>
-          </p:nvPr>
-        </p:nvSpPr>
-        <p:spPr>
-          <a:xfrm>
-            <a:off x="685800" y="4343400"/>
-            <a:ext cx="5486400" cy="4114800"/>
-          </a:xfrm>
-          <a:prstGeom prst="rect">
-            <a:avLst/>
-          </a:prstGeom>
-        </p:spPr>
-        <p:txBody>
-          <a:bodyPr spcFirstLastPara="1" wrap="square" lIns="91425" tIns="91425" rIns="91425" bIns="91425" anchor="t" anchorCtr="0">
-            <a:noAutofit/>
-          </a:bodyPr>
-          <a:lstStyle/>
-          <a:p>
-            <a:pPr marL="0" lvl="0" indent="0" algn="l" rtl="0">
-              <a:spcBef>
-                <a:spcPts val="0"/>
-              </a:spcBef>
-              <a:spcAft>
-                <a:spcPts val="0"/>
-              </a:spcAft>
-              <a:buNone/>
-            </a:pPr>
             <a:endParaRPr dirty="0"/>
           </a:p>
         </p:txBody>
@@ -9408,7 +9312,7 @@
 </p:notes>
 </file>
 
-<file path=ppt/notesSlides/notesSlide26.xml><?xml version="1.0" encoding="utf-8"?>
+<file path=ppt/notesSlides/notesSlide25.xml><?xml version="1.0" encoding="utf-8"?>
 <p:notes xmlns:a="http://schemas.openxmlformats.org/drawingml/2006/main" xmlns:r="http://schemas.openxmlformats.org/officeDocument/2006/relationships" xmlns:p="http://schemas.openxmlformats.org/presentationml/2006/main" showMasterSp="0" showMasterPhAnim="0">
   <p:cSld>
     <p:spTree>
@@ -9517,6 +9421,72 @@
 </p:notes>
 </file>
 
+<file path=ppt/notesSlides/notesSlide26.xml><?xml version="1.0" encoding="utf-8"?>
+<p:notes xmlns:a="http://schemas.openxmlformats.org/drawingml/2006/main" xmlns:r="http://schemas.openxmlformats.org/officeDocument/2006/relationships" xmlns:p="http://schemas.openxmlformats.org/presentationml/2006/main">
+  <p:cSld>
+    <p:spTree>
+      <p:nvGrpSpPr>
+        <p:cNvPr id="1" name=""/>
+        <p:cNvGrpSpPr/>
+        <p:nvPr/>
+      </p:nvGrpSpPr>
+      <p:grpSpPr>
+        <a:xfrm>
+          <a:off x="0" y="0"/>
+          <a:ext cx="0" cy="0"/>
+          <a:chOff x="0" y="0"/>
+          <a:chExt cx="0" cy="0"/>
+        </a:xfrm>
+      </p:grpSpPr>
+      <p:sp>
+        <p:nvSpPr>
+          <p:cNvPr id="2" name="슬라이드 이미지 개체 틀 1"/>
+          <p:cNvSpPr>
+            <a:spLocks noGrp="1" noRot="1" noChangeAspect="1"/>
+          </p:cNvSpPr>
+          <p:nvPr>
+            <p:ph type="sldImg"/>
+          </p:nvPr>
+        </p:nvSpPr>
+        <p:spPr>
+          <a:xfrm>
+            <a:off x="381000" y="685800"/>
+            <a:ext cx="6096000" cy="3429000"/>
+          </a:xfrm>
+        </p:spPr>
+      </p:sp>
+      <p:sp>
+        <p:nvSpPr>
+          <p:cNvPr id="3" name="슬라이드 노트 개체 틀 2"/>
+          <p:cNvSpPr>
+            <a:spLocks noGrp="1"/>
+          </p:cNvSpPr>
+          <p:nvPr>
+            <p:ph type="body" idx="1"/>
+          </p:nvPr>
+        </p:nvSpPr>
+        <p:spPr/>
+        <p:txBody>
+          <a:bodyPr/>
+          <a:lstStyle/>
+          <a:p>
+            <a:endParaRPr lang="ko-KR" altLang="en-US" dirty="0"/>
+          </a:p>
+        </p:txBody>
+      </p:sp>
+    </p:spTree>
+    <p:extLst>
+      <p:ext uri="{BB962C8B-B14F-4D97-AF65-F5344CB8AC3E}">
+        <p14:creationId xmlns:p14="http://schemas.microsoft.com/office/powerpoint/2010/main" val="2007019954"/>
+      </p:ext>
+    </p:extLst>
+  </p:cSld>
+  <p:clrMapOvr>
+    <a:masterClrMapping/>
+  </p:clrMapOvr>
+</p:notes>
+</file>
+
 <file path=ppt/notesSlides/notesSlide27.xml><?xml version="1.0" encoding="utf-8"?>
 <p:notes xmlns:a="http://schemas.openxmlformats.org/drawingml/2006/main" xmlns:r="http://schemas.openxmlformats.org/officeDocument/2006/relationships" xmlns:p="http://schemas.openxmlformats.org/presentationml/2006/main">
   <p:cSld>
@@ -9573,7 +9543,73 @@
     </p:spTree>
     <p:extLst>
       <p:ext uri="{BB962C8B-B14F-4D97-AF65-F5344CB8AC3E}">
-        <p14:creationId xmlns:p14="http://schemas.microsoft.com/office/powerpoint/2010/main" val="2007019954"/>
+        <p14:creationId xmlns:p14="http://schemas.microsoft.com/office/powerpoint/2010/main" val="979986103"/>
+      </p:ext>
+    </p:extLst>
+  </p:cSld>
+  <p:clrMapOvr>
+    <a:masterClrMapping/>
+  </p:clrMapOvr>
+</p:notes>
+</file>
+
+<file path=ppt/notesSlides/notesSlide28.xml><?xml version="1.0" encoding="utf-8"?>
+<p:notes xmlns:a="http://schemas.openxmlformats.org/drawingml/2006/main" xmlns:r="http://schemas.openxmlformats.org/officeDocument/2006/relationships" xmlns:p="http://schemas.openxmlformats.org/presentationml/2006/main">
+  <p:cSld>
+    <p:spTree>
+      <p:nvGrpSpPr>
+        <p:cNvPr id="1" name=""/>
+        <p:cNvGrpSpPr/>
+        <p:nvPr/>
+      </p:nvGrpSpPr>
+      <p:grpSpPr>
+        <a:xfrm>
+          <a:off x="0" y="0"/>
+          <a:ext cx="0" cy="0"/>
+          <a:chOff x="0" y="0"/>
+          <a:chExt cx="0" cy="0"/>
+        </a:xfrm>
+      </p:grpSpPr>
+      <p:sp>
+        <p:nvSpPr>
+          <p:cNvPr id="2" name="슬라이드 이미지 개체 틀 1"/>
+          <p:cNvSpPr>
+            <a:spLocks noGrp="1" noRot="1" noChangeAspect="1"/>
+          </p:cNvSpPr>
+          <p:nvPr>
+            <p:ph type="sldImg"/>
+          </p:nvPr>
+        </p:nvSpPr>
+        <p:spPr>
+          <a:xfrm>
+            <a:off x="381000" y="685800"/>
+            <a:ext cx="6096000" cy="3429000"/>
+          </a:xfrm>
+        </p:spPr>
+      </p:sp>
+      <p:sp>
+        <p:nvSpPr>
+          <p:cNvPr id="3" name="슬라이드 노트 개체 틀 2"/>
+          <p:cNvSpPr>
+            <a:spLocks noGrp="1"/>
+          </p:cNvSpPr>
+          <p:nvPr>
+            <p:ph type="body" idx="1"/>
+          </p:nvPr>
+        </p:nvSpPr>
+        <p:spPr/>
+        <p:txBody>
+          <a:bodyPr/>
+          <a:lstStyle/>
+          <a:p>
+            <a:endParaRPr lang="ko-KR" altLang="en-US" dirty="0"/>
+          </a:p>
+        </p:txBody>
+      </p:sp>
+    </p:spTree>
+    <p:extLst>
+      <p:ext uri="{BB962C8B-B14F-4D97-AF65-F5344CB8AC3E}">
+        <p14:creationId xmlns:p14="http://schemas.microsoft.com/office/powerpoint/2010/main" val="1276588914"/>
       </p:ext>
     </p:extLst>
   </p:cSld>
@@ -17161,7 +17197,7 @@
                 <a:ea typeface="210 M고딕 030" panose="02020603020101020101" pitchFamily="18" charset="-127"/>
                 <a:cs typeface="Arial" pitchFamily="34" charset="0"/>
               </a:rPr>
-              <a:t>호스팅 진행 후 이메일 인증 기능을 추가했다</a:t>
+              <a:t>호스팅 적용 후 이메일 인증 기능을 추가했다</a:t>
             </a:r>
             <a:r>
               <a:rPr lang="en-US" altLang="ko-KR" sz="1400" dirty="0">
@@ -17473,8 +17509,8 @@
         </p:nvSpPr>
         <p:spPr>
           <a:xfrm>
-            <a:off x="3999567" y="4217861"/>
-            <a:ext cx="1144865" cy="307777"/>
+            <a:off x="3799994" y="4217861"/>
+            <a:ext cx="1544012" cy="307777"/>
           </a:xfrm>
           <a:prstGeom prst="rect">
             <a:avLst/>
@@ -17509,6 +17545,39 @@
                 <a:cs typeface="Arial" pitchFamily="34" charset="0"/>
               </a:rPr>
               <a:t>간트차트</a:t>
+            </a:r>
+            <a:r>
+              <a:rPr lang="en-US" altLang="ko-KR" b="1" i="1" dirty="0">
+                <a:solidFill>
+                  <a:schemeClr val="tx1"/>
+                </a:solidFill>
+                <a:latin typeface="나눔고딕 ExtraBold" panose="020D0904000000000000" pitchFamily="50" charset="-127"/>
+                <a:ea typeface="나눔고딕 ExtraBold" panose="020D0904000000000000" pitchFamily="50" charset="-127"/>
+                <a:cs typeface="Arial" pitchFamily="34" charset="0"/>
+              </a:rPr>
+              <a:t>(</a:t>
+            </a:r>
+            <a:r>
+              <a:rPr lang="ko-KR" altLang="en-US" b="1" i="1" dirty="0">
+                <a:solidFill>
+                  <a:schemeClr val="tx1"/>
+                </a:solidFill>
+                <a:latin typeface="나눔고딕 ExtraBold" panose="020D0904000000000000" pitchFamily="50" charset="-127"/>
+                <a:ea typeface="나눔고딕 ExtraBold" panose="020D0904000000000000" pitchFamily="50" charset="-127"/>
+                <a:cs typeface="Arial" pitchFamily="34" charset="0"/>
+              </a:rPr>
+              <a:t>최종</a:t>
+            </a:r>
+            <a:r>
+              <a:rPr lang="en-US" altLang="ko-KR" b="1" i="1" dirty="0">
+                <a:solidFill>
+                  <a:schemeClr val="tx1"/>
+                </a:solidFill>
+                <a:latin typeface="나눔고딕 ExtraBold" panose="020D0904000000000000" pitchFamily="50" charset="-127"/>
+                <a:ea typeface="나눔고딕 ExtraBold" panose="020D0904000000000000" pitchFamily="50" charset="-127"/>
+                <a:cs typeface="Arial" pitchFamily="34" charset="0"/>
+              </a:rPr>
+              <a:t>)</a:t>
             </a:r>
             <a:endParaRPr lang="ko-KR" altLang="ko-KR" dirty="0">
               <a:solidFill>
@@ -17620,348 +17689,6 @@
                 <a:latin typeface="휴먼엑스포" panose="02030504000101010101" pitchFamily="18" charset="-127"/>
                 <a:ea typeface="휴먼엑스포" panose="02030504000101010101" pitchFamily="18" charset="-127"/>
               </a:rPr>
-              <a:t>간트</a:t>
-            </a:r>
-            <a:r>
-              <a:rPr lang="ko-KR" altLang="en-US" dirty="0">
-                <a:latin typeface="휴먼엑스포" panose="02030504000101010101" pitchFamily="18" charset="-127"/>
-                <a:ea typeface="휴먼엑스포" panose="02030504000101010101" pitchFamily="18" charset="-127"/>
-              </a:rPr>
-              <a:t> 차트</a:t>
-            </a:r>
-            <a:r>
-              <a:rPr lang="en-US" altLang="ko-KR" dirty="0">
-                <a:latin typeface="휴먼엑스포" panose="02030504000101010101" pitchFamily="18" charset="-127"/>
-                <a:ea typeface="휴먼엑스포" panose="02030504000101010101" pitchFamily="18" charset="-127"/>
-              </a:rPr>
-              <a:t>(Gantt Chart)</a:t>
-            </a:r>
-            <a:endParaRPr dirty="0">
-              <a:latin typeface="휴먼엑스포" panose="02030504000101010101" pitchFamily="18" charset="-127"/>
-              <a:ea typeface="휴먼엑스포" panose="02030504000101010101" pitchFamily="18" charset="-127"/>
-            </a:endParaRPr>
-          </a:p>
-        </p:txBody>
-      </p:sp>
-      <p:sp>
-        <p:nvSpPr>
-          <p:cNvPr id="176" name="Google Shape;176;p13"/>
-          <p:cNvSpPr txBox="1">
-            <a:spLocks noGrp="1"/>
-          </p:cNvSpPr>
-          <p:nvPr>
-            <p:ph type="sldNum" idx="12"/>
-          </p:nvPr>
-        </p:nvSpPr>
-        <p:spPr>
-          <a:xfrm>
-            <a:off x="7962860" y="1"/>
-            <a:ext cx="1142624" cy="393600"/>
-          </a:xfrm>
-          <a:prstGeom prst="rect">
-            <a:avLst/>
-          </a:prstGeom>
-        </p:spPr>
-        <p:txBody>
-          <a:bodyPr spcFirstLastPara="1" wrap="square" lIns="91425" tIns="91425" rIns="91425" bIns="91425" anchor="t" anchorCtr="0">
-            <a:noAutofit/>
-          </a:bodyPr>
-          <a:lstStyle/>
-          <a:p>
-            <a:pPr marL="0" lvl="0" indent="0" algn="r" rtl="0">
-              <a:spcBef>
-                <a:spcPts val="0"/>
-              </a:spcBef>
-              <a:spcAft>
-                <a:spcPts val="0"/>
-              </a:spcAft>
-              <a:buNone/>
-            </a:pPr>
-            <a:r>
-              <a:rPr lang="en" sz="1200" dirty="0"/>
-              <a:t>Corp Collector</a:t>
-            </a:r>
-            <a:endParaRPr sz="1200" dirty="0"/>
-          </a:p>
-        </p:txBody>
-      </p:sp>
-      <p:sp>
-        <p:nvSpPr>
-          <p:cNvPr id="7" name="TextBox 6">
-            <a:extLst>
-              <a:ext uri="{FF2B5EF4-FFF2-40B4-BE49-F238E27FC236}">
-                <a16:creationId xmlns:a16="http://schemas.microsoft.com/office/drawing/2014/main" id="{3442F8AB-24D7-4521-B607-37D82F511FD9}"/>
-              </a:ext>
-            </a:extLst>
-          </p:cNvPr>
-          <p:cNvSpPr txBox="1"/>
-          <p:nvPr/>
-        </p:nvSpPr>
-        <p:spPr>
-          <a:xfrm>
-            <a:off x="3999567" y="4217861"/>
-            <a:ext cx="1144865" cy="307777"/>
-          </a:xfrm>
-          <a:prstGeom prst="rect">
-            <a:avLst/>
-          </a:prstGeom>
-          <a:noFill/>
-        </p:spPr>
-        <p:txBody>
-          <a:bodyPr wrap="none" rtlCol="0">
-            <a:spAutoFit/>
-          </a:bodyPr>
-          <a:lstStyle/>
-          <a:p>
-            <a:pPr algn="ctr"/>
-            <a:r>
-              <a:rPr lang="ko-KR" altLang="en-US" b="1" i="1" dirty="0">
-                <a:solidFill>
-                  <a:schemeClr val="tx1"/>
-                </a:solidFill>
-                <a:latin typeface="나눔고딕 ExtraBold" panose="020D0904000000000000" pitchFamily="50" charset="-127"/>
-                <a:ea typeface="나눔고딕 ExtraBold" panose="020D0904000000000000" pitchFamily="50" charset="-127"/>
-                <a:cs typeface="Arial" pitchFamily="34" charset="0"/>
-              </a:rPr>
-              <a:t>▲ </a:t>
-            </a:r>
-            <a:r>
-              <a:rPr lang="ko-KR" altLang="en-US" b="1" i="1" dirty="0" err="1">
-                <a:solidFill>
-                  <a:schemeClr val="tx1"/>
-                </a:solidFill>
-                <a:latin typeface="나눔고딕 ExtraBold" panose="020D0904000000000000" pitchFamily="50" charset="-127"/>
-                <a:ea typeface="나눔고딕 ExtraBold" panose="020D0904000000000000" pitchFamily="50" charset="-127"/>
-                <a:cs typeface="Arial" pitchFamily="34" charset="0"/>
-              </a:rPr>
-              <a:t>간트차트</a:t>
-            </a:r>
-            <a:endParaRPr lang="ko-KR" altLang="ko-KR" dirty="0">
-              <a:solidFill>
-                <a:schemeClr val="tx1"/>
-              </a:solidFill>
-              <a:latin typeface="나눔고딕 ExtraBold" panose="020D0904000000000000" pitchFamily="50" charset="-127"/>
-              <a:ea typeface="나눔고딕 ExtraBold" panose="020D0904000000000000" pitchFamily="50" charset="-127"/>
-              <a:cs typeface="Arial" pitchFamily="34" charset="0"/>
-            </a:endParaRPr>
-          </a:p>
-        </p:txBody>
-      </p:sp>
-      <p:pic>
-        <p:nvPicPr>
-          <p:cNvPr id="6" name="내용 개체 틀 7">
-            <a:extLst>
-              <a:ext uri="{FF2B5EF4-FFF2-40B4-BE49-F238E27FC236}">
-                <a16:creationId xmlns:a16="http://schemas.microsoft.com/office/drawing/2014/main" id="{BD96BA47-5429-4043-818D-8A2A06C9DBC4}"/>
-              </a:ext>
-            </a:extLst>
-          </p:cNvPr>
-          <p:cNvPicPr>
-            <a:picLocks noChangeAspect="1"/>
-          </p:cNvPicPr>
-          <p:nvPr/>
-        </p:nvPicPr>
-        <p:blipFill>
-          <a:blip r:embed="rId3" cstate="print">
-            <a:extLst>
-              <a:ext uri="{28A0092B-C50C-407E-A947-70E740481C1C}">
-                <a14:useLocalDpi xmlns:a14="http://schemas.microsoft.com/office/drawing/2010/main" val="0"/>
-              </a:ext>
-            </a:extLst>
-          </a:blip>
-          <a:stretch>
-            <a:fillRect/>
-          </a:stretch>
-        </p:blipFill>
-        <p:spPr>
-          <a:xfrm>
-            <a:off x="0" y="912573"/>
-            <a:ext cx="6494693" cy="4240997"/>
-          </a:xfrm>
-          <a:prstGeom prst="rect">
-            <a:avLst/>
-          </a:prstGeom>
-          <a:noFill/>
-          <a:ln>
-            <a:noFill/>
-          </a:ln>
-        </p:spPr>
-      </p:pic>
-      <p:sp>
-        <p:nvSpPr>
-          <p:cNvPr id="9" name="TextBox 8">
-            <a:extLst>
-              <a:ext uri="{FF2B5EF4-FFF2-40B4-BE49-F238E27FC236}">
-                <a16:creationId xmlns:a16="http://schemas.microsoft.com/office/drawing/2014/main" id="{A887AFC6-C017-4215-80CF-E57CFE6BA3DE}"/>
-              </a:ext>
-            </a:extLst>
-          </p:cNvPr>
-          <p:cNvSpPr txBox="1"/>
-          <p:nvPr/>
-        </p:nvSpPr>
-        <p:spPr>
-          <a:xfrm>
-            <a:off x="6342613" y="2585900"/>
-            <a:ext cx="1694696" cy="307777"/>
-          </a:xfrm>
-          <a:prstGeom prst="rect">
-            <a:avLst/>
-          </a:prstGeom>
-          <a:noFill/>
-        </p:spPr>
-        <p:txBody>
-          <a:bodyPr wrap="none" rtlCol="0">
-            <a:spAutoFit/>
-          </a:bodyPr>
-          <a:lstStyle/>
-          <a:p>
-            <a:pPr algn="ctr"/>
-            <a:r>
-              <a:rPr lang="ko-KR" altLang="en-US" b="1" i="1" dirty="0">
-                <a:solidFill>
-                  <a:schemeClr val="tx1"/>
-                </a:solidFill>
-                <a:latin typeface="나눔고딕 ExtraBold" panose="020D0904000000000000" pitchFamily="50" charset="-127"/>
-                <a:ea typeface="나눔고딕 ExtraBold" panose="020D0904000000000000" pitchFamily="50" charset="-127"/>
-                <a:cs typeface="Arial" pitchFamily="34" charset="0"/>
-              </a:rPr>
-              <a:t>◀ </a:t>
-            </a:r>
-            <a:r>
-              <a:rPr lang="ko-KR" altLang="en-US" b="1" i="1" dirty="0" err="1">
-                <a:solidFill>
-                  <a:schemeClr val="tx1"/>
-                </a:solidFill>
-                <a:latin typeface="나눔고딕 ExtraBold" panose="020D0904000000000000" pitchFamily="50" charset="-127"/>
-                <a:ea typeface="나눔고딕 ExtraBold" panose="020D0904000000000000" pitchFamily="50" charset="-127"/>
-                <a:cs typeface="Arial" pitchFamily="34" charset="0"/>
-              </a:rPr>
-              <a:t>간트</a:t>
-            </a:r>
-            <a:r>
-              <a:rPr lang="ko-KR" altLang="en-US" b="1" i="1" dirty="0">
-                <a:solidFill>
-                  <a:schemeClr val="tx1"/>
-                </a:solidFill>
-                <a:latin typeface="나눔고딕 ExtraBold" panose="020D0904000000000000" pitchFamily="50" charset="-127"/>
-                <a:ea typeface="나눔고딕 ExtraBold" panose="020D0904000000000000" pitchFamily="50" charset="-127"/>
-                <a:cs typeface="Arial" pitchFamily="34" charset="0"/>
-              </a:rPr>
-              <a:t> 차트</a:t>
-            </a:r>
-            <a:r>
-              <a:rPr lang="en-US" altLang="ko-KR" b="1" i="1" dirty="0">
-                <a:solidFill>
-                  <a:schemeClr val="tx1"/>
-                </a:solidFill>
-                <a:latin typeface="나눔고딕 ExtraBold" panose="020D0904000000000000" pitchFamily="50" charset="-127"/>
-                <a:ea typeface="나눔고딕 ExtraBold" panose="020D0904000000000000" pitchFamily="50" charset="-127"/>
-                <a:cs typeface="Arial" pitchFamily="34" charset="0"/>
-              </a:rPr>
-              <a:t>(</a:t>
-            </a:r>
-            <a:r>
-              <a:rPr lang="ko-KR" altLang="en-US" b="1" i="1" dirty="0">
-                <a:solidFill>
-                  <a:schemeClr val="tx1"/>
-                </a:solidFill>
-                <a:latin typeface="나눔고딕 ExtraBold" panose="020D0904000000000000" pitchFamily="50" charset="-127"/>
-                <a:ea typeface="나눔고딕 ExtraBold" panose="020D0904000000000000" pitchFamily="50" charset="-127"/>
-                <a:cs typeface="Arial" pitchFamily="34" charset="0"/>
-              </a:rPr>
-              <a:t>상세</a:t>
-            </a:r>
-            <a:r>
-              <a:rPr lang="en-US" altLang="ko-KR" b="1" i="1" dirty="0">
-                <a:solidFill>
-                  <a:schemeClr val="tx1"/>
-                </a:solidFill>
-                <a:latin typeface="나눔고딕 ExtraBold" panose="020D0904000000000000" pitchFamily="50" charset="-127"/>
-                <a:ea typeface="나눔고딕 ExtraBold" panose="020D0904000000000000" pitchFamily="50" charset="-127"/>
-                <a:cs typeface="Arial" pitchFamily="34" charset="0"/>
-              </a:rPr>
-              <a:t>)</a:t>
-            </a:r>
-            <a:endParaRPr lang="ko-KR" altLang="ko-KR" dirty="0">
-              <a:solidFill>
-                <a:schemeClr val="tx1"/>
-              </a:solidFill>
-              <a:latin typeface="나눔고딕 ExtraBold" panose="020D0904000000000000" pitchFamily="50" charset="-127"/>
-              <a:ea typeface="나눔고딕 ExtraBold" panose="020D0904000000000000" pitchFamily="50" charset="-127"/>
-              <a:cs typeface="Arial" pitchFamily="34" charset="0"/>
-            </a:endParaRPr>
-          </a:p>
-        </p:txBody>
-      </p:sp>
-    </p:spTree>
-    <p:extLst>
-      <p:ext uri="{BB962C8B-B14F-4D97-AF65-F5344CB8AC3E}">
-        <p14:creationId xmlns:p14="http://schemas.microsoft.com/office/powerpoint/2010/main" val="3671137104"/>
-      </p:ext>
-    </p:extLst>
-  </p:cSld>
-  <p:clrMapOvr>
-    <a:masterClrMapping/>
-  </p:clrMapOvr>
-</p:sld>
-</file>
-
-<file path=ppt/slides/slide19.xml><?xml version="1.0" encoding="utf-8"?>
-<p:sld xmlns:a="http://schemas.openxmlformats.org/drawingml/2006/main" xmlns:r="http://schemas.openxmlformats.org/officeDocument/2006/relationships" xmlns:p="http://schemas.openxmlformats.org/presentationml/2006/main">
-  <p:cSld>
-    <p:spTree>
-      <p:nvGrpSpPr>
-        <p:cNvPr id="1" name="Shape 171"/>
-        <p:cNvGrpSpPr/>
-        <p:nvPr/>
-      </p:nvGrpSpPr>
-      <p:grpSpPr>
-        <a:xfrm>
-          <a:off x="0" y="0"/>
-          <a:ext cx="0" cy="0"/>
-          <a:chOff x="0" y="0"/>
-          <a:chExt cx="0" cy="0"/>
-        </a:xfrm>
-      </p:grpSpPr>
-      <p:sp>
-        <p:nvSpPr>
-          <p:cNvPr id="172" name="Google Shape;172;p13"/>
-          <p:cNvSpPr txBox="1">
-            <a:spLocks noGrp="1"/>
-          </p:cNvSpPr>
-          <p:nvPr>
-            <p:ph type="title"/>
-          </p:nvPr>
-        </p:nvSpPr>
-        <p:spPr>
-          <a:xfrm>
-            <a:off x="2202560" y="91050"/>
-            <a:ext cx="5760300" cy="680700"/>
-          </a:xfrm>
-          <a:prstGeom prst="rect">
-            <a:avLst/>
-          </a:prstGeom>
-        </p:spPr>
-        <p:txBody>
-          <a:bodyPr spcFirstLastPara="1" wrap="square" lIns="91425" tIns="91425" rIns="91425" bIns="91425" anchor="b" anchorCtr="0">
-            <a:noAutofit/>
-          </a:bodyPr>
-          <a:lstStyle/>
-          <a:p>
-            <a:pPr marL="0" lvl="0" indent="0" algn="l" rtl="0">
-              <a:spcBef>
-                <a:spcPts val="0"/>
-              </a:spcBef>
-              <a:spcAft>
-                <a:spcPts val="0"/>
-              </a:spcAft>
-              <a:buNone/>
-            </a:pPr>
-            <a:r>
-              <a:rPr lang="ko-KR" altLang="en-US" dirty="0" err="1">
-                <a:latin typeface="휴먼엑스포" panose="02030504000101010101" pitchFamily="18" charset="-127"/>
-                <a:ea typeface="휴먼엑스포" panose="02030504000101010101" pitchFamily="18" charset="-127"/>
-              </a:rPr>
               <a:t>사이트맵</a:t>
             </a:r>
             <a:r>
@@ -18145,386 +17872,7 @@
 </p:sld>
 </file>
 
-<file path=ppt/slides/slide2.xml><?xml version="1.0" encoding="utf-8"?>
-<p:sld xmlns:a="http://schemas.openxmlformats.org/drawingml/2006/main" xmlns:r="http://schemas.openxmlformats.org/officeDocument/2006/relationships" xmlns:p="http://schemas.openxmlformats.org/presentationml/2006/main">
-  <p:cSld>
-    <p:spTree>
-      <p:nvGrpSpPr>
-        <p:cNvPr id="1" name="Shape 307"/>
-        <p:cNvGrpSpPr/>
-        <p:nvPr/>
-      </p:nvGrpSpPr>
-      <p:grpSpPr>
-        <a:xfrm>
-          <a:off x="0" y="0"/>
-          <a:ext cx="0" cy="0"/>
-          <a:chOff x="0" y="0"/>
-          <a:chExt cx="0" cy="0"/>
-        </a:xfrm>
-      </p:grpSpPr>
-      <p:sp>
-        <p:nvSpPr>
-          <p:cNvPr id="308" name="Google Shape;308;p28"/>
-          <p:cNvSpPr txBox="1">
-            <a:spLocks noGrp="1"/>
-          </p:cNvSpPr>
-          <p:nvPr>
-            <p:ph type="title"/>
-          </p:nvPr>
-        </p:nvSpPr>
-        <p:spPr>
-          <a:xfrm>
-            <a:off x="1031425" y="1149725"/>
-            <a:ext cx="5760300" cy="680700"/>
-          </a:xfrm>
-          <a:prstGeom prst="rect">
-            <a:avLst/>
-          </a:prstGeom>
-        </p:spPr>
-        <p:txBody>
-          <a:bodyPr spcFirstLastPara="1" wrap="square" lIns="91425" tIns="91425" rIns="91425" bIns="91425" anchor="b" anchorCtr="0">
-            <a:noAutofit/>
-          </a:bodyPr>
-          <a:lstStyle/>
-          <a:p>
-            <a:pPr marL="0" lvl="0" indent="0" algn="l" rtl="0">
-              <a:spcBef>
-                <a:spcPts val="0"/>
-              </a:spcBef>
-              <a:spcAft>
-                <a:spcPts val="0"/>
-              </a:spcAft>
-              <a:buNone/>
-            </a:pPr>
-            <a:r>
-              <a:rPr lang="ko-KR" altLang="en-US" dirty="0">
-                <a:latin typeface="휴먼엑스포" panose="02030504000101010101" pitchFamily="18" charset="-127"/>
-                <a:ea typeface="휴먼엑스포" panose="02030504000101010101" pitchFamily="18" charset="-127"/>
-              </a:rPr>
-              <a:t>목차</a:t>
-            </a:r>
-            <a:endParaRPr dirty="0">
-              <a:latin typeface="휴먼엑스포" panose="02030504000101010101" pitchFamily="18" charset="-127"/>
-              <a:ea typeface="휴먼엑스포" panose="02030504000101010101" pitchFamily="18" charset="-127"/>
-            </a:endParaRPr>
-          </a:p>
-        </p:txBody>
-      </p:sp>
-      <p:sp>
-        <p:nvSpPr>
-          <p:cNvPr id="309" name="Google Shape;309;p28"/>
-          <p:cNvSpPr/>
-          <p:nvPr/>
-        </p:nvSpPr>
-        <p:spPr>
-          <a:xfrm>
-            <a:off x="1154667" y="1909250"/>
-            <a:ext cx="2191500" cy="1852200"/>
-          </a:xfrm>
-          <a:prstGeom prst="homePlate">
-            <a:avLst>
-              <a:gd name="adj" fmla="val 30129"/>
-            </a:avLst>
-          </a:prstGeom>
-          <a:solidFill>
-            <a:schemeClr val="accent3"/>
-          </a:solidFill>
-          <a:ln>
-            <a:noFill/>
-          </a:ln>
-        </p:spPr>
-        <p:txBody>
-          <a:bodyPr spcFirstLastPara="1" wrap="square" lIns="91425" tIns="91425" rIns="91425" bIns="91425" anchor="ctr" anchorCtr="0">
-            <a:noAutofit/>
-          </a:bodyPr>
-          <a:lstStyle/>
-          <a:p>
-            <a:pPr marL="0" lvl="0" indent="0" algn="ctr" rtl="0">
-              <a:spcBef>
-                <a:spcPts val="0"/>
-              </a:spcBef>
-              <a:spcAft>
-                <a:spcPts val="0"/>
-              </a:spcAft>
-              <a:buNone/>
-            </a:pPr>
-            <a:r>
-              <a:rPr lang="ko-KR" altLang="en-US" dirty="0">
-                <a:solidFill>
-                  <a:schemeClr val="lt1"/>
-                </a:solidFill>
-                <a:latin typeface="휴먼엑스포" panose="02030504000101010101" pitchFamily="18" charset="-127"/>
-                <a:ea typeface="휴먼엑스포" panose="02030504000101010101" pitchFamily="18" charset="-127"/>
-                <a:cs typeface="Roboto Condensed"/>
-                <a:sym typeface="Roboto Condensed"/>
-              </a:rPr>
-              <a:t>팀 구조</a:t>
-            </a:r>
-            <a:endParaRPr dirty="0">
-              <a:solidFill>
-                <a:schemeClr val="lt1"/>
-              </a:solidFill>
-              <a:latin typeface="휴먼엑스포" panose="02030504000101010101" pitchFamily="18" charset="-127"/>
-              <a:ea typeface="휴먼엑스포" panose="02030504000101010101" pitchFamily="18" charset="-127"/>
-              <a:cs typeface="Roboto Condensed"/>
-              <a:sym typeface="Roboto Condensed"/>
-            </a:endParaRPr>
-          </a:p>
-        </p:txBody>
-      </p:sp>
-      <p:sp>
-        <p:nvSpPr>
-          <p:cNvPr id="310" name="Google Shape;310;p28"/>
-          <p:cNvSpPr/>
-          <p:nvPr/>
-        </p:nvSpPr>
-        <p:spPr>
-          <a:xfrm>
-            <a:off x="2902904" y="1909250"/>
-            <a:ext cx="2233800" cy="1852200"/>
-          </a:xfrm>
-          <a:prstGeom prst="chevron">
-            <a:avLst>
-              <a:gd name="adj" fmla="val 29853"/>
-            </a:avLst>
-          </a:prstGeom>
-          <a:solidFill>
-            <a:schemeClr val="accent2"/>
-          </a:solidFill>
-          <a:ln>
-            <a:noFill/>
-          </a:ln>
-        </p:spPr>
-        <p:txBody>
-          <a:bodyPr spcFirstLastPara="1" wrap="square" lIns="91425" tIns="91425" rIns="91425" bIns="91425" anchor="ctr" anchorCtr="0">
-            <a:noAutofit/>
-          </a:bodyPr>
-          <a:lstStyle/>
-          <a:p>
-            <a:pPr marL="0" lvl="0" indent="0" algn="ctr" rtl="0">
-              <a:spcBef>
-                <a:spcPts val="0"/>
-              </a:spcBef>
-              <a:spcAft>
-                <a:spcPts val="0"/>
-              </a:spcAft>
-              <a:buNone/>
-            </a:pPr>
-            <a:r>
-              <a:rPr lang="ko-KR" altLang="en-US" dirty="0" err="1">
-                <a:solidFill>
-                  <a:schemeClr val="lt1"/>
-                </a:solidFill>
-                <a:latin typeface="휴먼엑스포" panose="02030504000101010101" pitchFamily="18" charset="-127"/>
-                <a:ea typeface="휴먼엑스포" panose="02030504000101010101" pitchFamily="18" charset="-127"/>
-                <a:sym typeface="Roboto Condensed"/>
-              </a:rPr>
-              <a:t>프토젝트</a:t>
-            </a:r>
-            <a:r>
-              <a:rPr lang="ko-KR" altLang="en-US" dirty="0">
-                <a:solidFill>
-                  <a:schemeClr val="lt1"/>
-                </a:solidFill>
-                <a:latin typeface="휴먼엑스포" panose="02030504000101010101" pitchFamily="18" charset="-127"/>
-                <a:ea typeface="휴먼엑스포" panose="02030504000101010101" pitchFamily="18" charset="-127"/>
-                <a:sym typeface="Roboto Condensed"/>
-              </a:rPr>
-              <a:t> 설명</a:t>
-            </a:r>
-            <a:endParaRPr dirty="0">
-              <a:solidFill>
-                <a:schemeClr val="lt1"/>
-              </a:solidFill>
-              <a:latin typeface="휴먼엑스포" panose="02030504000101010101" pitchFamily="18" charset="-127"/>
-              <a:ea typeface="휴먼엑스포" panose="02030504000101010101" pitchFamily="18" charset="-127"/>
-              <a:sym typeface="Roboto Condensed"/>
-            </a:endParaRPr>
-          </a:p>
-        </p:txBody>
-      </p:sp>
-      <p:sp>
-        <p:nvSpPr>
-          <p:cNvPr id="311" name="Google Shape;311;p28"/>
-          <p:cNvSpPr/>
-          <p:nvPr/>
-        </p:nvSpPr>
-        <p:spPr>
-          <a:xfrm>
-            <a:off x="4693288" y="1909250"/>
-            <a:ext cx="2233800" cy="1852200"/>
-          </a:xfrm>
-          <a:prstGeom prst="chevron">
-            <a:avLst>
-              <a:gd name="adj" fmla="val 29853"/>
-            </a:avLst>
-          </a:prstGeom>
-          <a:solidFill>
-            <a:schemeClr val="accent1"/>
-          </a:solidFill>
-          <a:ln>
-            <a:noFill/>
-          </a:ln>
-        </p:spPr>
-        <p:txBody>
-          <a:bodyPr spcFirstLastPara="1" wrap="square" lIns="91425" tIns="91425" rIns="91425" bIns="91425" anchor="ctr" anchorCtr="0">
-            <a:noAutofit/>
-          </a:bodyPr>
-          <a:lstStyle/>
-          <a:p>
-            <a:pPr marL="0" lvl="0" indent="0" algn="ctr" rtl="0">
-              <a:spcBef>
-                <a:spcPts val="0"/>
-              </a:spcBef>
-              <a:spcAft>
-                <a:spcPts val="0"/>
-              </a:spcAft>
-              <a:buNone/>
-            </a:pPr>
-            <a:r>
-              <a:rPr lang="ko-KR" altLang="en-US" dirty="0">
-                <a:solidFill>
-                  <a:schemeClr val="lt1"/>
-                </a:solidFill>
-                <a:latin typeface="휴먼엑스포" panose="02030504000101010101" pitchFamily="18" charset="-127"/>
-                <a:ea typeface="휴먼엑스포" panose="02030504000101010101" pitchFamily="18" charset="-127"/>
-                <a:sym typeface="Roboto Condensed"/>
-              </a:rPr>
-              <a:t>산출물 소개</a:t>
-            </a:r>
-            <a:endParaRPr dirty="0">
-              <a:solidFill>
-                <a:schemeClr val="lt1"/>
-              </a:solidFill>
-              <a:latin typeface="휴먼엑스포" panose="02030504000101010101" pitchFamily="18" charset="-127"/>
-              <a:ea typeface="휴먼엑스포" panose="02030504000101010101" pitchFamily="18" charset="-127"/>
-              <a:sym typeface="Roboto Condensed"/>
-            </a:endParaRPr>
-          </a:p>
-        </p:txBody>
-      </p:sp>
-      <p:sp>
-        <p:nvSpPr>
-          <p:cNvPr id="312" name="Google Shape;312;p28"/>
-          <p:cNvSpPr txBox="1">
-            <a:spLocks noGrp="1"/>
-          </p:cNvSpPr>
-          <p:nvPr>
-            <p:ph type="sldNum" idx="12"/>
-          </p:nvPr>
-        </p:nvSpPr>
-        <p:spPr>
-          <a:xfrm>
-            <a:off x="8556784" y="1"/>
-            <a:ext cx="548700" cy="393600"/>
-          </a:xfrm>
-          <a:prstGeom prst="rect">
-            <a:avLst/>
-          </a:prstGeom>
-        </p:spPr>
-        <p:txBody>
-          <a:bodyPr spcFirstLastPara="1" wrap="square" lIns="91425" tIns="91425" rIns="91425" bIns="91425" anchor="t" anchorCtr="0">
-            <a:noAutofit/>
-          </a:bodyPr>
-          <a:lstStyle/>
-          <a:p>
-            <a:pPr marL="0" lvl="0" indent="0" algn="r" rtl="0">
-              <a:spcBef>
-                <a:spcPts val="0"/>
-              </a:spcBef>
-              <a:spcAft>
-                <a:spcPts val="0"/>
-              </a:spcAft>
-              <a:buNone/>
-            </a:pPr>
-            <a:fld id="{00000000-1234-1234-1234-123412341234}" type="slidenum">
-              <a:rPr lang="en"/>
-              <a:t>2</a:t>
-            </a:fld>
-            <a:endParaRPr/>
-          </a:p>
-        </p:txBody>
-      </p:sp>
-      <p:sp>
-        <p:nvSpPr>
-          <p:cNvPr id="7" name="Google Shape;311;p28">
-            <a:extLst>
-              <a:ext uri="{FF2B5EF4-FFF2-40B4-BE49-F238E27FC236}">
-                <a16:creationId xmlns:a16="http://schemas.microsoft.com/office/drawing/2014/main" id="{B03767B4-C723-4418-B4D0-0E3D5E93AACF}"/>
-              </a:ext>
-            </a:extLst>
-          </p:cNvPr>
-          <p:cNvSpPr/>
-          <p:nvPr/>
-        </p:nvSpPr>
-        <p:spPr>
-          <a:xfrm>
-            <a:off x="6483825" y="1909250"/>
-            <a:ext cx="2233800" cy="1852200"/>
-          </a:xfrm>
-          <a:prstGeom prst="chevron">
-            <a:avLst>
-              <a:gd name="adj" fmla="val 29853"/>
-            </a:avLst>
-          </a:prstGeom>
-          <a:solidFill>
-            <a:schemeClr val="accent1"/>
-          </a:solidFill>
-          <a:ln>
-            <a:noFill/>
-          </a:ln>
-        </p:spPr>
-        <p:txBody>
-          <a:bodyPr spcFirstLastPara="1" wrap="square" lIns="91425" tIns="91425" rIns="91425" bIns="91425" anchor="ctr" anchorCtr="0">
-            <a:noAutofit/>
-          </a:bodyPr>
-          <a:lstStyle/>
-          <a:p>
-            <a:pPr marL="0" lvl="0" indent="0" algn="ctr" rtl="0">
-              <a:spcBef>
-                <a:spcPts val="0"/>
-              </a:spcBef>
-              <a:spcAft>
-                <a:spcPts val="0"/>
-              </a:spcAft>
-              <a:buNone/>
-            </a:pPr>
-            <a:r>
-              <a:rPr lang="ko-KR" altLang="en-US" dirty="0">
-                <a:solidFill>
-                  <a:schemeClr val="lt1"/>
-                </a:solidFill>
-                <a:latin typeface="휴먼엑스포" panose="02030504000101010101" pitchFamily="18" charset="-127"/>
-                <a:ea typeface="휴먼엑스포" panose="02030504000101010101" pitchFamily="18" charset="-127"/>
-                <a:sym typeface="Roboto Condensed"/>
-              </a:rPr>
-              <a:t>결과물 및 테스팅</a:t>
-            </a:r>
-            <a:endParaRPr lang="en-US" altLang="ko-KR" dirty="0">
-              <a:solidFill>
-                <a:schemeClr val="lt1"/>
-              </a:solidFill>
-              <a:latin typeface="휴먼엑스포" panose="02030504000101010101" pitchFamily="18" charset="-127"/>
-              <a:ea typeface="휴먼엑스포" panose="02030504000101010101" pitchFamily="18" charset="-127"/>
-              <a:sym typeface="Roboto Condensed"/>
-            </a:endParaRPr>
-          </a:p>
-        </p:txBody>
-      </p:sp>
-    </p:spTree>
-    <p:extLst>
-      <p:ext uri="{BB962C8B-B14F-4D97-AF65-F5344CB8AC3E}">
-        <p14:creationId xmlns:p14="http://schemas.microsoft.com/office/powerpoint/2010/main" val="2267842130"/>
-      </p:ext>
-    </p:extLst>
-  </p:cSld>
-  <p:clrMapOvr>
-    <a:masterClrMapping/>
-  </p:clrMapOvr>
-</p:sld>
-</file>
-
-<file path=ppt/slides/slide20.xml><?xml version="1.0" encoding="utf-8"?>
+<file path=ppt/slides/slide19.xml><?xml version="1.0" encoding="utf-8"?>
 <p:sld xmlns:a="http://schemas.openxmlformats.org/drawingml/2006/main" xmlns:r="http://schemas.openxmlformats.org/officeDocument/2006/relationships" xmlns:p="http://schemas.openxmlformats.org/presentationml/2006/main">
   <p:cSld>
     <p:spTree>
@@ -19914,7 +19262,386 @@
 </p:sld>
 </file>
 
-<file path=ppt/slides/slide21.xml><?xml version="1.0" encoding="utf-8"?>
+<file path=ppt/slides/slide2.xml><?xml version="1.0" encoding="utf-8"?>
+<p:sld xmlns:a="http://schemas.openxmlformats.org/drawingml/2006/main" xmlns:r="http://schemas.openxmlformats.org/officeDocument/2006/relationships" xmlns:p="http://schemas.openxmlformats.org/presentationml/2006/main">
+  <p:cSld>
+    <p:spTree>
+      <p:nvGrpSpPr>
+        <p:cNvPr id="1" name="Shape 307"/>
+        <p:cNvGrpSpPr/>
+        <p:nvPr/>
+      </p:nvGrpSpPr>
+      <p:grpSpPr>
+        <a:xfrm>
+          <a:off x="0" y="0"/>
+          <a:ext cx="0" cy="0"/>
+          <a:chOff x="0" y="0"/>
+          <a:chExt cx="0" cy="0"/>
+        </a:xfrm>
+      </p:grpSpPr>
+      <p:sp>
+        <p:nvSpPr>
+          <p:cNvPr id="308" name="Google Shape;308;p28"/>
+          <p:cNvSpPr txBox="1">
+            <a:spLocks noGrp="1"/>
+          </p:cNvSpPr>
+          <p:nvPr>
+            <p:ph type="title"/>
+          </p:nvPr>
+        </p:nvSpPr>
+        <p:spPr>
+          <a:xfrm>
+            <a:off x="1031425" y="1149725"/>
+            <a:ext cx="5760300" cy="680700"/>
+          </a:xfrm>
+          <a:prstGeom prst="rect">
+            <a:avLst/>
+          </a:prstGeom>
+        </p:spPr>
+        <p:txBody>
+          <a:bodyPr spcFirstLastPara="1" wrap="square" lIns="91425" tIns="91425" rIns="91425" bIns="91425" anchor="b" anchorCtr="0">
+            <a:noAutofit/>
+          </a:bodyPr>
+          <a:lstStyle/>
+          <a:p>
+            <a:pPr marL="0" lvl="0" indent="0" algn="l" rtl="0">
+              <a:spcBef>
+                <a:spcPts val="0"/>
+              </a:spcBef>
+              <a:spcAft>
+                <a:spcPts val="0"/>
+              </a:spcAft>
+              <a:buNone/>
+            </a:pPr>
+            <a:r>
+              <a:rPr lang="ko-KR" altLang="en-US" dirty="0">
+                <a:latin typeface="휴먼엑스포" panose="02030504000101010101" pitchFamily="18" charset="-127"/>
+                <a:ea typeface="휴먼엑스포" panose="02030504000101010101" pitchFamily="18" charset="-127"/>
+              </a:rPr>
+              <a:t>목차</a:t>
+            </a:r>
+            <a:endParaRPr dirty="0">
+              <a:latin typeface="휴먼엑스포" panose="02030504000101010101" pitchFamily="18" charset="-127"/>
+              <a:ea typeface="휴먼엑스포" panose="02030504000101010101" pitchFamily="18" charset="-127"/>
+            </a:endParaRPr>
+          </a:p>
+        </p:txBody>
+      </p:sp>
+      <p:sp>
+        <p:nvSpPr>
+          <p:cNvPr id="309" name="Google Shape;309;p28"/>
+          <p:cNvSpPr/>
+          <p:nvPr/>
+        </p:nvSpPr>
+        <p:spPr>
+          <a:xfrm>
+            <a:off x="1154667" y="1909250"/>
+            <a:ext cx="2191500" cy="1852200"/>
+          </a:xfrm>
+          <a:prstGeom prst="homePlate">
+            <a:avLst>
+              <a:gd name="adj" fmla="val 30129"/>
+            </a:avLst>
+          </a:prstGeom>
+          <a:solidFill>
+            <a:schemeClr val="accent3"/>
+          </a:solidFill>
+          <a:ln>
+            <a:noFill/>
+          </a:ln>
+        </p:spPr>
+        <p:txBody>
+          <a:bodyPr spcFirstLastPara="1" wrap="square" lIns="91425" tIns="91425" rIns="91425" bIns="91425" anchor="ctr" anchorCtr="0">
+            <a:noAutofit/>
+          </a:bodyPr>
+          <a:lstStyle/>
+          <a:p>
+            <a:pPr marL="0" lvl="0" indent="0" algn="ctr" rtl="0">
+              <a:spcBef>
+                <a:spcPts val="0"/>
+              </a:spcBef>
+              <a:spcAft>
+                <a:spcPts val="0"/>
+              </a:spcAft>
+              <a:buNone/>
+            </a:pPr>
+            <a:r>
+              <a:rPr lang="ko-KR" altLang="en-US" dirty="0">
+                <a:solidFill>
+                  <a:schemeClr val="lt1"/>
+                </a:solidFill>
+                <a:latin typeface="휴먼엑스포" panose="02030504000101010101" pitchFamily="18" charset="-127"/>
+                <a:ea typeface="휴먼엑스포" panose="02030504000101010101" pitchFamily="18" charset="-127"/>
+                <a:cs typeface="Roboto Condensed"/>
+                <a:sym typeface="Roboto Condensed"/>
+              </a:rPr>
+              <a:t>팀 구조</a:t>
+            </a:r>
+            <a:endParaRPr dirty="0">
+              <a:solidFill>
+                <a:schemeClr val="lt1"/>
+              </a:solidFill>
+              <a:latin typeface="휴먼엑스포" panose="02030504000101010101" pitchFamily="18" charset="-127"/>
+              <a:ea typeface="휴먼엑스포" panose="02030504000101010101" pitchFamily="18" charset="-127"/>
+              <a:cs typeface="Roboto Condensed"/>
+              <a:sym typeface="Roboto Condensed"/>
+            </a:endParaRPr>
+          </a:p>
+        </p:txBody>
+      </p:sp>
+      <p:sp>
+        <p:nvSpPr>
+          <p:cNvPr id="310" name="Google Shape;310;p28"/>
+          <p:cNvSpPr/>
+          <p:nvPr/>
+        </p:nvSpPr>
+        <p:spPr>
+          <a:xfrm>
+            <a:off x="2902904" y="1909250"/>
+            <a:ext cx="2233800" cy="1852200"/>
+          </a:xfrm>
+          <a:prstGeom prst="chevron">
+            <a:avLst>
+              <a:gd name="adj" fmla="val 29853"/>
+            </a:avLst>
+          </a:prstGeom>
+          <a:solidFill>
+            <a:schemeClr val="accent2"/>
+          </a:solidFill>
+          <a:ln>
+            <a:noFill/>
+          </a:ln>
+        </p:spPr>
+        <p:txBody>
+          <a:bodyPr spcFirstLastPara="1" wrap="square" lIns="91425" tIns="91425" rIns="91425" bIns="91425" anchor="ctr" anchorCtr="0">
+            <a:noAutofit/>
+          </a:bodyPr>
+          <a:lstStyle/>
+          <a:p>
+            <a:pPr marL="0" lvl="0" indent="0" algn="ctr" rtl="0">
+              <a:spcBef>
+                <a:spcPts val="0"/>
+              </a:spcBef>
+              <a:spcAft>
+                <a:spcPts val="0"/>
+              </a:spcAft>
+              <a:buNone/>
+            </a:pPr>
+            <a:r>
+              <a:rPr lang="ko-KR" altLang="en-US" dirty="0" err="1">
+                <a:solidFill>
+                  <a:schemeClr val="lt1"/>
+                </a:solidFill>
+                <a:latin typeface="휴먼엑스포" panose="02030504000101010101" pitchFamily="18" charset="-127"/>
+                <a:ea typeface="휴먼엑스포" panose="02030504000101010101" pitchFamily="18" charset="-127"/>
+                <a:sym typeface="Roboto Condensed"/>
+              </a:rPr>
+              <a:t>프토젝트</a:t>
+            </a:r>
+            <a:r>
+              <a:rPr lang="ko-KR" altLang="en-US" dirty="0">
+                <a:solidFill>
+                  <a:schemeClr val="lt1"/>
+                </a:solidFill>
+                <a:latin typeface="휴먼엑스포" panose="02030504000101010101" pitchFamily="18" charset="-127"/>
+                <a:ea typeface="휴먼엑스포" panose="02030504000101010101" pitchFamily="18" charset="-127"/>
+                <a:sym typeface="Roboto Condensed"/>
+              </a:rPr>
+              <a:t> 설명</a:t>
+            </a:r>
+            <a:endParaRPr dirty="0">
+              <a:solidFill>
+                <a:schemeClr val="lt1"/>
+              </a:solidFill>
+              <a:latin typeface="휴먼엑스포" panose="02030504000101010101" pitchFamily="18" charset="-127"/>
+              <a:ea typeface="휴먼엑스포" panose="02030504000101010101" pitchFamily="18" charset="-127"/>
+              <a:sym typeface="Roboto Condensed"/>
+            </a:endParaRPr>
+          </a:p>
+        </p:txBody>
+      </p:sp>
+      <p:sp>
+        <p:nvSpPr>
+          <p:cNvPr id="311" name="Google Shape;311;p28"/>
+          <p:cNvSpPr/>
+          <p:nvPr/>
+        </p:nvSpPr>
+        <p:spPr>
+          <a:xfrm>
+            <a:off x="4693288" y="1909250"/>
+            <a:ext cx="2233800" cy="1852200"/>
+          </a:xfrm>
+          <a:prstGeom prst="chevron">
+            <a:avLst>
+              <a:gd name="adj" fmla="val 29853"/>
+            </a:avLst>
+          </a:prstGeom>
+          <a:solidFill>
+            <a:schemeClr val="accent1"/>
+          </a:solidFill>
+          <a:ln>
+            <a:noFill/>
+          </a:ln>
+        </p:spPr>
+        <p:txBody>
+          <a:bodyPr spcFirstLastPara="1" wrap="square" lIns="91425" tIns="91425" rIns="91425" bIns="91425" anchor="ctr" anchorCtr="0">
+            <a:noAutofit/>
+          </a:bodyPr>
+          <a:lstStyle/>
+          <a:p>
+            <a:pPr marL="0" lvl="0" indent="0" algn="ctr" rtl="0">
+              <a:spcBef>
+                <a:spcPts val="0"/>
+              </a:spcBef>
+              <a:spcAft>
+                <a:spcPts val="0"/>
+              </a:spcAft>
+              <a:buNone/>
+            </a:pPr>
+            <a:r>
+              <a:rPr lang="ko-KR" altLang="en-US" dirty="0">
+                <a:solidFill>
+                  <a:schemeClr val="lt1"/>
+                </a:solidFill>
+                <a:latin typeface="휴먼엑스포" panose="02030504000101010101" pitchFamily="18" charset="-127"/>
+                <a:ea typeface="휴먼엑스포" panose="02030504000101010101" pitchFamily="18" charset="-127"/>
+                <a:sym typeface="Roboto Condensed"/>
+              </a:rPr>
+              <a:t>산출물 소개</a:t>
+            </a:r>
+            <a:endParaRPr dirty="0">
+              <a:solidFill>
+                <a:schemeClr val="lt1"/>
+              </a:solidFill>
+              <a:latin typeface="휴먼엑스포" panose="02030504000101010101" pitchFamily="18" charset="-127"/>
+              <a:ea typeface="휴먼엑스포" panose="02030504000101010101" pitchFamily="18" charset="-127"/>
+              <a:sym typeface="Roboto Condensed"/>
+            </a:endParaRPr>
+          </a:p>
+        </p:txBody>
+      </p:sp>
+      <p:sp>
+        <p:nvSpPr>
+          <p:cNvPr id="312" name="Google Shape;312;p28"/>
+          <p:cNvSpPr txBox="1">
+            <a:spLocks noGrp="1"/>
+          </p:cNvSpPr>
+          <p:nvPr>
+            <p:ph type="sldNum" idx="12"/>
+          </p:nvPr>
+        </p:nvSpPr>
+        <p:spPr>
+          <a:xfrm>
+            <a:off x="8556784" y="1"/>
+            <a:ext cx="548700" cy="393600"/>
+          </a:xfrm>
+          <a:prstGeom prst="rect">
+            <a:avLst/>
+          </a:prstGeom>
+        </p:spPr>
+        <p:txBody>
+          <a:bodyPr spcFirstLastPara="1" wrap="square" lIns="91425" tIns="91425" rIns="91425" bIns="91425" anchor="t" anchorCtr="0">
+            <a:noAutofit/>
+          </a:bodyPr>
+          <a:lstStyle/>
+          <a:p>
+            <a:pPr marL="0" lvl="0" indent="0" algn="r" rtl="0">
+              <a:spcBef>
+                <a:spcPts val="0"/>
+              </a:spcBef>
+              <a:spcAft>
+                <a:spcPts val="0"/>
+              </a:spcAft>
+              <a:buNone/>
+            </a:pPr>
+            <a:fld id="{00000000-1234-1234-1234-123412341234}" type="slidenum">
+              <a:rPr lang="en"/>
+              <a:t>2</a:t>
+            </a:fld>
+            <a:endParaRPr/>
+          </a:p>
+        </p:txBody>
+      </p:sp>
+      <p:sp>
+        <p:nvSpPr>
+          <p:cNvPr id="7" name="Google Shape;311;p28">
+            <a:extLst>
+              <a:ext uri="{FF2B5EF4-FFF2-40B4-BE49-F238E27FC236}">
+                <a16:creationId xmlns:a16="http://schemas.microsoft.com/office/drawing/2014/main" id="{B03767B4-C723-4418-B4D0-0E3D5E93AACF}"/>
+              </a:ext>
+            </a:extLst>
+          </p:cNvPr>
+          <p:cNvSpPr/>
+          <p:nvPr/>
+        </p:nvSpPr>
+        <p:spPr>
+          <a:xfrm>
+            <a:off x="6483825" y="1909250"/>
+            <a:ext cx="2233800" cy="1852200"/>
+          </a:xfrm>
+          <a:prstGeom prst="chevron">
+            <a:avLst>
+              <a:gd name="adj" fmla="val 29853"/>
+            </a:avLst>
+          </a:prstGeom>
+          <a:solidFill>
+            <a:schemeClr val="accent1"/>
+          </a:solidFill>
+          <a:ln>
+            <a:noFill/>
+          </a:ln>
+        </p:spPr>
+        <p:txBody>
+          <a:bodyPr spcFirstLastPara="1" wrap="square" lIns="91425" tIns="91425" rIns="91425" bIns="91425" anchor="ctr" anchorCtr="0">
+            <a:noAutofit/>
+          </a:bodyPr>
+          <a:lstStyle/>
+          <a:p>
+            <a:pPr marL="0" lvl="0" indent="0" algn="ctr" rtl="0">
+              <a:spcBef>
+                <a:spcPts val="0"/>
+              </a:spcBef>
+              <a:spcAft>
+                <a:spcPts val="0"/>
+              </a:spcAft>
+              <a:buNone/>
+            </a:pPr>
+            <a:r>
+              <a:rPr lang="ko-KR" altLang="en-US" dirty="0">
+                <a:solidFill>
+                  <a:schemeClr val="lt1"/>
+                </a:solidFill>
+                <a:latin typeface="휴먼엑스포" panose="02030504000101010101" pitchFamily="18" charset="-127"/>
+                <a:ea typeface="휴먼엑스포" panose="02030504000101010101" pitchFamily="18" charset="-127"/>
+                <a:sym typeface="Roboto Condensed"/>
+              </a:rPr>
+              <a:t>결과물 및 테스팅</a:t>
+            </a:r>
+            <a:endParaRPr lang="en-US" altLang="ko-KR" dirty="0">
+              <a:solidFill>
+                <a:schemeClr val="lt1"/>
+              </a:solidFill>
+              <a:latin typeface="휴먼엑스포" panose="02030504000101010101" pitchFamily="18" charset="-127"/>
+              <a:ea typeface="휴먼엑스포" panose="02030504000101010101" pitchFamily="18" charset="-127"/>
+              <a:sym typeface="Roboto Condensed"/>
+            </a:endParaRPr>
+          </a:p>
+        </p:txBody>
+      </p:sp>
+    </p:spTree>
+    <p:extLst>
+      <p:ext uri="{BB962C8B-B14F-4D97-AF65-F5344CB8AC3E}">
+        <p14:creationId xmlns:p14="http://schemas.microsoft.com/office/powerpoint/2010/main" val="2267842130"/>
+      </p:ext>
+    </p:extLst>
+  </p:cSld>
+  <p:clrMapOvr>
+    <a:masterClrMapping/>
+  </p:clrMapOvr>
+</p:sld>
+</file>
+
+<file path=ppt/slides/slide20.xml><?xml version="1.0" encoding="utf-8"?>
 <p:sld xmlns:a="http://schemas.openxmlformats.org/drawingml/2006/main" xmlns:r="http://schemas.openxmlformats.org/officeDocument/2006/relationships" xmlns:p="http://schemas.openxmlformats.org/presentationml/2006/main">
   <p:cSld>
     <p:spTree>
@@ -20132,7 +19859,7 @@
 </p:sld>
 </file>
 
-<file path=ppt/slides/slide22.xml><?xml version="1.0" encoding="utf-8"?>
+<file path=ppt/slides/slide21.xml><?xml version="1.0" encoding="utf-8"?>
 <p:sld xmlns:a="http://schemas.openxmlformats.org/drawingml/2006/main" xmlns:r="http://schemas.openxmlformats.org/officeDocument/2006/relationships" xmlns:p="http://schemas.openxmlformats.org/presentationml/2006/main">
   <p:cSld>
     <p:spTree>
@@ -20357,7 +20084,7 @@
 </p:sld>
 </file>
 
-<file path=ppt/slides/slide23.xml><?xml version="1.0" encoding="utf-8"?>
+<file path=ppt/slides/slide22.xml><?xml version="1.0" encoding="utf-8"?>
 <p:sld xmlns:a="http://schemas.openxmlformats.org/drawingml/2006/main" xmlns:r="http://schemas.openxmlformats.org/officeDocument/2006/relationships" xmlns:p="http://schemas.openxmlformats.org/presentationml/2006/main">
   <p:cSld>
     <p:spTree>
@@ -21032,7 +20759,7 @@
 </p:sld>
 </file>
 
-<file path=ppt/slides/slide24.xml><?xml version="1.0" encoding="utf-8"?>
+<file path=ppt/slides/slide23.xml><?xml version="1.0" encoding="utf-8"?>
 <p:sld xmlns:a="http://schemas.openxmlformats.org/drawingml/2006/main" xmlns:r="http://schemas.openxmlformats.org/officeDocument/2006/relationships" xmlns:p="http://schemas.openxmlformats.org/presentationml/2006/main">
   <p:cSld>
     <p:spTree>
@@ -21616,7 +21343,7 @@
 </p:sld>
 </file>
 
-<file path=ppt/slides/slide25.xml><?xml version="1.0" encoding="utf-8"?>
+<file path=ppt/slides/slide24.xml><?xml version="1.0" encoding="utf-8"?>
 <p:sld xmlns:a="http://schemas.openxmlformats.org/drawingml/2006/main" xmlns:r="http://schemas.openxmlformats.org/officeDocument/2006/relationships" xmlns:p="http://schemas.openxmlformats.org/presentationml/2006/main">
   <p:cSld>
     <p:spTree>
@@ -22437,7 +22164,7 @@
 </p:sld>
 </file>
 
-<file path=ppt/slides/slide26.xml><?xml version="1.0" encoding="utf-8"?>
+<file path=ppt/slides/slide25.xml><?xml version="1.0" encoding="utf-8"?>
 <p:sld xmlns:a="http://schemas.openxmlformats.org/drawingml/2006/main" xmlns:r="http://schemas.openxmlformats.org/officeDocument/2006/relationships" xmlns:p="http://schemas.openxmlformats.org/presentationml/2006/main">
   <p:cSld>
     <p:spTree>
@@ -23225,7 +22952,7 @@
 </p:sld>
 </file>
 
-<file path=ppt/slides/slide27.xml><?xml version="1.0" encoding="utf-8"?>
+<file path=ppt/slides/slide26.xml><?xml version="1.0" encoding="utf-8"?>
 <p:sld xmlns:a="http://schemas.openxmlformats.org/drawingml/2006/main" xmlns:r="http://schemas.openxmlformats.org/officeDocument/2006/relationships" xmlns:p="http://schemas.openxmlformats.org/presentationml/2006/main">
   <p:cSld>
     <p:bg>
@@ -23472,7 +23199,7 @@
             </a:pPr>
             <a:fld id="{00000000-1234-1234-1234-123412341234}" type="slidenum">
               <a:rPr lang="en"/>
-              <a:t>27</a:t>
+              <a:t>26</a:t>
             </a:fld>
             <a:endParaRPr/>
           </a:p>
@@ -23482,6 +23209,175 @@
     <p:extLst>
       <p:ext uri="{BB962C8B-B14F-4D97-AF65-F5344CB8AC3E}">
         <p14:creationId xmlns:p14="http://schemas.microsoft.com/office/powerpoint/2010/main" val="2237520366"/>
+      </p:ext>
+    </p:extLst>
+  </p:cSld>
+  <p:clrMapOvr>
+    <a:masterClrMapping/>
+  </p:clrMapOvr>
+</p:sld>
+</file>
+
+<file path=ppt/slides/slide27.xml><?xml version="1.0" encoding="utf-8"?>
+<p:sld xmlns:a="http://schemas.openxmlformats.org/drawingml/2006/main" xmlns:r="http://schemas.openxmlformats.org/officeDocument/2006/relationships" xmlns:p="http://schemas.openxmlformats.org/presentationml/2006/main">
+  <p:cSld>
+    <p:spTree>
+      <p:nvGrpSpPr>
+        <p:cNvPr id="1" name=""/>
+        <p:cNvGrpSpPr/>
+        <p:nvPr/>
+      </p:nvGrpSpPr>
+      <p:grpSpPr>
+        <a:xfrm>
+          <a:off x="0" y="0"/>
+          <a:ext cx="0" cy="0"/>
+          <a:chOff x="0" y="0"/>
+          <a:chExt cx="0" cy="0"/>
+        </a:xfrm>
+      </p:grpSpPr>
+      <p:sp>
+        <p:nvSpPr>
+          <p:cNvPr id="2" name="제목 1">
+            <a:extLst>
+              <a:ext uri="{FF2B5EF4-FFF2-40B4-BE49-F238E27FC236}">
+                <a16:creationId xmlns:a16="http://schemas.microsoft.com/office/drawing/2014/main" id="{FA21BD72-7F4D-4BD4-A56A-6CD9915EA0DF}"/>
+              </a:ext>
+            </a:extLst>
+          </p:cNvPr>
+          <p:cNvSpPr>
+            <a:spLocks noGrp="1"/>
+          </p:cNvSpPr>
+          <p:nvPr>
+            <p:ph type="ctrTitle"/>
+          </p:nvPr>
+        </p:nvSpPr>
+        <p:spPr/>
+        <p:txBody>
+          <a:bodyPr/>
+          <a:lstStyle/>
+          <a:p>
+            <a:r>
+              <a:rPr lang="ko-KR" altLang="en-US" dirty="0" err="1">
+                <a:latin typeface="휴먼엑스포" panose="02030504000101010101" pitchFamily="18" charset="-127"/>
+                <a:ea typeface="휴먼엑스포" panose="02030504000101010101" pitchFamily="18" charset="-127"/>
+              </a:rPr>
+              <a:t>프론트엔드</a:t>
+            </a:r>
+            <a:endParaRPr lang="ko-KR" altLang="en-US" dirty="0">
+              <a:latin typeface="휴먼엑스포" panose="02030504000101010101" pitchFamily="18" charset="-127"/>
+              <a:ea typeface="휴먼엑스포" panose="02030504000101010101" pitchFamily="18" charset="-127"/>
+            </a:endParaRPr>
+          </a:p>
+        </p:txBody>
+      </p:sp>
+      <p:sp>
+        <p:nvSpPr>
+          <p:cNvPr id="3" name="부제목 2">
+            <a:extLst>
+              <a:ext uri="{FF2B5EF4-FFF2-40B4-BE49-F238E27FC236}">
+                <a16:creationId xmlns:a16="http://schemas.microsoft.com/office/drawing/2014/main" id="{E2B437DE-B871-47F8-9956-0A55B360933B}"/>
+              </a:ext>
+            </a:extLst>
+          </p:cNvPr>
+          <p:cNvSpPr>
+            <a:spLocks noGrp="1"/>
+          </p:cNvSpPr>
+          <p:nvPr>
+            <p:ph type="subTitle" idx="1"/>
+          </p:nvPr>
+        </p:nvSpPr>
+        <p:spPr/>
+        <p:txBody>
+          <a:bodyPr/>
+          <a:lstStyle/>
+          <a:p>
+            <a:r>
+              <a:rPr lang="ko-KR" altLang="en-US" dirty="0" err="1">
+                <a:latin typeface="휴먼엑스포" panose="02030504000101010101" pitchFamily="18" charset="-127"/>
+                <a:ea typeface="휴먼엑스포" panose="02030504000101010101" pitchFamily="18" charset="-127"/>
+              </a:rPr>
+              <a:t>천세륜</a:t>
+            </a:r>
+            <a:r>
+              <a:rPr lang="ko-KR" altLang="en-US" dirty="0">
+                <a:latin typeface="휴먼엑스포" panose="02030504000101010101" pitchFamily="18" charset="-127"/>
+                <a:ea typeface="휴먼엑스포" panose="02030504000101010101" pitchFamily="18" charset="-127"/>
+              </a:rPr>
+              <a:t> </a:t>
+            </a:r>
+            <a:r>
+              <a:rPr lang="en-US" altLang="ko-KR" dirty="0">
+                <a:latin typeface="휴먼엑스포" panose="02030504000101010101" pitchFamily="18" charset="-127"/>
+                <a:ea typeface="휴먼엑스포" panose="02030504000101010101" pitchFamily="18" charset="-127"/>
+              </a:rPr>
+              <a:t>– </a:t>
+            </a:r>
+            <a:r>
+              <a:rPr lang="ko-KR" altLang="en-US" dirty="0">
+                <a:latin typeface="휴먼엑스포" panose="02030504000101010101" pitchFamily="18" charset="-127"/>
+                <a:ea typeface="휴먼엑스포" panose="02030504000101010101" pitchFamily="18" charset="-127"/>
+              </a:rPr>
+              <a:t>화면 구성 디자인</a:t>
+            </a:r>
+            <a:r>
+              <a:rPr lang="en-US" altLang="ko-KR" dirty="0">
+                <a:latin typeface="휴먼엑스포" panose="02030504000101010101" pitchFamily="18" charset="-127"/>
+                <a:ea typeface="휴먼엑스포" panose="02030504000101010101" pitchFamily="18" charset="-127"/>
+              </a:rPr>
+              <a:t>, </a:t>
+            </a:r>
+            <a:r>
+              <a:rPr lang="ko-KR" altLang="en-US" dirty="0">
+                <a:latin typeface="휴먼엑스포" panose="02030504000101010101" pitchFamily="18" charset="-127"/>
+                <a:ea typeface="휴먼엑스포" panose="02030504000101010101" pitchFamily="18" charset="-127"/>
+              </a:rPr>
+              <a:t>설계 및 구현</a:t>
+            </a:r>
+          </a:p>
+        </p:txBody>
+      </p:sp>
+      <p:sp>
+        <p:nvSpPr>
+          <p:cNvPr id="4" name="슬라이드 번호 개체 틀 3">
+            <a:extLst>
+              <a:ext uri="{FF2B5EF4-FFF2-40B4-BE49-F238E27FC236}">
+                <a16:creationId xmlns:a16="http://schemas.microsoft.com/office/drawing/2014/main" id="{FD60241B-F3B9-4769-AC79-FD90A48DDD53}"/>
+              </a:ext>
+            </a:extLst>
+          </p:cNvPr>
+          <p:cNvSpPr>
+            <a:spLocks noGrp="1"/>
+          </p:cNvSpPr>
+          <p:nvPr>
+            <p:ph type="sldNum" idx="12"/>
+          </p:nvPr>
+        </p:nvSpPr>
+        <p:spPr/>
+        <p:txBody>
+          <a:bodyPr/>
+          <a:lstStyle/>
+          <a:p>
+            <a:pPr marL="0" lvl="0" indent="0" algn="r" rtl="0">
+              <a:spcBef>
+                <a:spcPts val="0"/>
+              </a:spcBef>
+              <a:spcAft>
+                <a:spcPts val="0"/>
+              </a:spcAft>
+              <a:buNone/>
+            </a:pPr>
+            <a:fld id="{00000000-1234-1234-1234-123412341234}" type="slidenum">
+              <a:rPr lang="en" smtClean="0"/>
+              <a:t>27</a:t>
+            </a:fld>
+            <a:endParaRPr lang="en"/>
+          </a:p>
+        </p:txBody>
+      </p:sp>
+    </p:spTree>
+    <p:extLst>
+      <p:ext uri="{BB962C8B-B14F-4D97-AF65-F5344CB8AC3E}">
+        <p14:creationId xmlns:p14="http://schemas.microsoft.com/office/powerpoint/2010/main" val="3625292104"/>
       </p:ext>
     </p:extLst>
   </p:cSld>
@@ -23534,7 +23430,7 @@
                 <a:latin typeface="휴먼엑스포" panose="02030504000101010101" pitchFamily="18" charset="-127"/>
                 <a:ea typeface="휴먼엑스포" panose="02030504000101010101" pitchFamily="18" charset="-127"/>
               </a:rPr>
-              <a:t>프론트엔드</a:t>
+              <a:t>백엔드</a:t>
             </a:r>
             <a:endParaRPr lang="ko-KR" altLang="en-US" dirty="0">
               <a:latin typeface="휴먼엑스포" panose="02030504000101010101" pitchFamily="18" charset="-127"/>
@@ -23565,18 +23461,11 @@
           <a:lstStyle/>
           <a:p>
             <a:r>
-              <a:rPr lang="ko-KR" altLang="en-US" dirty="0" err="1">
-                <a:latin typeface="휴먼엑스포" panose="02030504000101010101" pitchFamily="18" charset="-127"/>
-                <a:ea typeface="휴먼엑스포" panose="02030504000101010101" pitchFamily="18" charset="-127"/>
-              </a:rPr>
-              <a:t>천세륜</a:t>
-            </a:r>
-            <a:r>
               <a:rPr lang="ko-KR" altLang="en-US" dirty="0">
                 <a:latin typeface="휴먼엑스포" panose="02030504000101010101" pitchFamily="18" charset="-127"/>
                 <a:ea typeface="휴먼엑스포" panose="02030504000101010101" pitchFamily="18" charset="-127"/>
               </a:rPr>
-              <a:t> </a:t>
+              <a:t>오혜진 </a:t>
             </a:r>
             <a:r>
               <a:rPr lang="en-US" altLang="ko-KR" dirty="0">
@@ -23590,21 +23479,21 @@
                 <a:latin typeface="휴먼엑스포" panose="02030504000101010101" pitchFamily="18" charset="-127"/>
                 <a:ea typeface="휴먼엑스포" panose="02030504000101010101" pitchFamily="18" charset="-127"/>
               </a:rPr>
-              <a:t>화면 구성 디자인</a:t>
+              <a:t>기능별 프로세스 구성</a:t>
             </a:r>
             <a:r>
               <a:rPr lang="en-US" altLang="ko-KR" dirty="0">
                 <a:latin typeface="휴먼엑스포" panose="02030504000101010101" pitchFamily="18" charset="-127"/>
                 <a:ea typeface="휴먼엑스포" panose="02030504000101010101" pitchFamily="18" charset="-127"/>
               </a:rPr>
-              <a:t>, </a:t>
+              <a:t> </a:t>
             </a:r>
             <a:r>
               <a:rPr lang="ko-KR" altLang="en-US" dirty="0">
                 <a:latin typeface="휴먼엑스포" panose="02030504000101010101" pitchFamily="18" charset="-127"/>
                 <a:ea typeface="휴먼엑스포" panose="02030504000101010101" pitchFamily="18" charset="-127"/>
               </a:rPr>
-              <a:t>설계 및 구현</a:t>
+              <a:t>및 구현</a:t>
             </a:r>
           </a:p>
         </p:txBody>
@@ -23650,7 +23539,155 @@
     </p:spTree>
     <p:extLst>
       <p:ext uri="{BB962C8B-B14F-4D97-AF65-F5344CB8AC3E}">
-        <p14:creationId xmlns:p14="http://schemas.microsoft.com/office/powerpoint/2010/main" val="3625292104"/>
+        <p14:creationId xmlns:p14="http://schemas.microsoft.com/office/powerpoint/2010/main" val="959897899"/>
+      </p:ext>
+    </p:extLst>
+  </p:cSld>
+  <p:clrMapOvr>
+    <a:masterClrMapping/>
+  </p:clrMapOvr>
+</p:sld>
+</file>
+
+<file path=ppt/slides/slide29.xml><?xml version="1.0" encoding="utf-8"?>
+<p:sld xmlns:a="http://schemas.openxmlformats.org/drawingml/2006/main" xmlns:r="http://schemas.openxmlformats.org/officeDocument/2006/relationships" xmlns:p="http://schemas.openxmlformats.org/presentationml/2006/main">
+  <p:cSld>
+    <p:spTree>
+      <p:nvGrpSpPr>
+        <p:cNvPr id="1" name=""/>
+        <p:cNvGrpSpPr/>
+        <p:nvPr/>
+      </p:nvGrpSpPr>
+      <p:grpSpPr>
+        <a:xfrm>
+          <a:off x="0" y="0"/>
+          <a:ext cx="0" cy="0"/>
+          <a:chOff x="0" y="0"/>
+          <a:chExt cx="0" cy="0"/>
+        </a:xfrm>
+      </p:grpSpPr>
+      <p:sp>
+        <p:nvSpPr>
+          <p:cNvPr id="2" name="제목 1">
+            <a:extLst>
+              <a:ext uri="{FF2B5EF4-FFF2-40B4-BE49-F238E27FC236}">
+                <a16:creationId xmlns:a16="http://schemas.microsoft.com/office/drawing/2014/main" id="{FA21BD72-7F4D-4BD4-A56A-6CD9915EA0DF}"/>
+              </a:ext>
+            </a:extLst>
+          </p:cNvPr>
+          <p:cNvSpPr>
+            <a:spLocks noGrp="1"/>
+          </p:cNvSpPr>
+          <p:nvPr>
+            <p:ph type="ctrTitle"/>
+          </p:nvPr>
+        </p:nvSpPr>
+        <p:spPr/>
+        <p:txBody>
+          <a:bodyPr/>
+          <a:lstStyle/>
+          <a:p>
+            <a:r>
+              <a:rPr lang="ko-KR" altLang="en-US" dirty="0">
+                <a:latin typeface="휴먼엑스포" panose="02030504000101010101" pitchFamily="18" charset="-127"/>
+                <a:ea typeface="휴먼엑스포" panose="02030504000101010101" pitchFamily="18" charset="-127"/>
+              </a:rPr>
+              <a:t>빅데이터</a:t>
+            </a:r>
+          </a:p>
+        </p:txBody>
+      </p:sp>
+      <p:sp>
+        <p:nvSpPr>
+          <p:cNvPr id="3" name="부제목 2">
+            <a:extLst>
+              <a:ext uri="{FF2B5EF4-FFF2-40B4-BE49-F238E27FC236}">
+                <a16:creationId xmlns:a16="http://schemas.microsoft.com/office/drawing/2014/main" id="{E2B437DE-B871-47F8-9956-0A55B360933B}"/>
+              </a:ext>
+            </a:extLst>
+          </p:cNvPr>
+          <p:cNvSpPr>
+            <a:spLocks noGrp="1"/>
+          </p:cNvSpPr>
+          <p:nvPr>
+            <p:ph type="subTitle" idx="1"/>
+          </p:nvPr>
+        </p:nvSpPr>
+        <p:spPr/>
+        <p:txBody>
+          <a:bodyPr/>
+          <a:lstStyle/>
+          <a:p>
+            <a:r>
+              <a:rPr lang="ko-KR" altLang="en-US" dirty="0" err="1">
+                <a:latin typeface="휴먼엑스포" panose="02030504000101010101" pitchFamily="18" charset="-127"/>
+                <a:ea typeface="휴먼엑스포" panose="02030504000101010101" pitchFamily="18" charset="-127"/>
+              </a:rPr>
+              <a:t>오규진</a:t>
+            </a:r>
+            <a:r>
+              <a:rPr lang="ko-KR" altLang="en-US" dirty="0">
+                <a:latin typeface="휴먼엑스포" panose="02030504000101010101" pitchFamily="18" charset="-127"/>
+                <a:ea typeface="휴먼엑스포" panose="02030504000101010101" pitchFamily="18" charset="-127"/>
+              </a:rPr>
+              <a:t> </a:t>
+            </a:r>
+            <a:r>
+              <a:rPr lang="en-US" altLang="ko-KR" dirty="0">
+                <a:latin typeface="휴먼엑스포" panose="02030504000101010101" pitchFamily="18" charset="-127"/>
+                <a:ea typeface="휴먼엑스포" panose="02030504000101010101" pitchFamily="18" charset="-127"/>
+              </a:rPr>
+              <a:t>– </a:t>
+            </a:r>
+            <a:endParaRPr lang="ko-KR" altLang="en-US" dirty="0">
+              <a:latin typeface="휴먼엑스포" panose="02030504000101010101" pitchFamily="18" charset="-127"/>
+              <a:ea typeface="휴먼엑스포" panose="02030504000101010101" pitchFamily="18" charset="-127"/>
+            </a:endParaRPr>
+          </a:p>
+        </p:txBody>
+      </p:sp>
+      <p:sp>
+        <p:nvSpPr>
+          <p:cNvPr id="4" name="슬라이드 번호 개체 틀 3">
+            <a:extLst>
+              <a:ext uri="{FF2B5EF4-FFF2-40B4-BE49-F238E27FC236}">
+                <a16:creationId xmlns:a16="http://schemas.microsoft.com/office/drawing/2014/main" id="{FD60241B-F3B9-4769-AC79-FD90A48DDD53}"/>
+              </a:ext>
+            </a:extLst>
+          </p:cNvPr>
+          <p:cNvSpPr>
+            <a:spLocks noGrp="1"/>
+          </p:cNvSpPr>
+          <p:nvPr>
+            <p:ph type="sldNum" idx="12"/>
+          </p:nvPr>
+        </p:nvSpPr>
+        <p:spPr/>
+        <p:txBody>
+          <a:bodyPr/>
+          <a:lstStyle/>
+          <a:p>
+            <a:pPr marL="0" lvl="0" indent="0" algn="r" rtl="0">
+              <a:spcBef>
+                <a:spcPts val="0"/>
+              </a:spcBef>
+              <a:spcAft>
+                <a:spcPts val="0"/>
+              </a:spcAft>
+              <a:buNone/>
+            </a:pPr>
+            <a:fld id="{00000000-1234-1234-1234-123412341234}" type="slidenum">
+              <a:rPr lang="en" smtClean="0"/>
+              <a:t>29</a:t>
+            </a:fld>
+            <a:endParaRPr lang="en"/>
+          </a:p>
+        </p:txBody>
+      </p:sp>
+    </p:spTree>
+    <p:extLst>
+      <p:ext uri="{BB962C8B-B14F-4D97-AF65-F5344CB8AC3E}">
+        <p14:creationId xmlns:p14="http://schemas.microsoft.com/office/powerpoint/2010/main" val="471638257"/>
       </p:ext>
     </p:extLst>
   </p:cSld>
@@ -29677,18 +29714,18 @@
 </file>
 
 <file path=customXml/item1.xml><?xml version="1.0" encoding="utf-8"?>
-<p:properties xmlns:p="http://schemas.microsoft.com/office/2006/metadata/properties" xmlns:xsi="http://www.w3.org/2001/XMLSchema-instance" xmlns:pc="http://schemas.microsoft.com/office/infopath/2007/PartnerControls">
-  <documentManagement/>
-</p:properties>
-</file>
-
-<file path=customXml/item2.xml><?xml version="1.0" encoding="utf-8"?>
 <?mso-contentType ?>
 <FormTemplates xmlns="http://schemas.microsoft.com/sharepoint/v3/contenttype/forms">
   <Display>DocumentLibraryForm</Display>
   <Edit>DocumentLibraryForm</Edit>
   <New>DocumentLibraryForm</New>
 </FormTemplates>
+</file>
+
+<file path=customXml/item2.xml><?xml version="1.0" encoding="utf-8"?>
+<p:properties xmlns:p="http://schemas.microsoft.com/office/2006/metadata/properties" xmlns:xsi="http://www.w3.org/2001/XMLSchema-instance" xmlns:pc="http://schemas.microsoft.com/office/infopath/2007/PartnerControls">
+  <documentManagement/>
+</p:properties>
 </file>
 
 <file path=customXml/item3.xml><?xml version="1.0" encoding="utf-8"?>
@@ -29824,6 +29861,14 @@
 </file>
 
 <file path=customXml/itemProps1.xml><?xml version="1.0" encoding="utf-8"?>
+<ds:datastoreItem xmlns:ds="http://schemas.openxmlformats.org/officeDocument/2006/customXml" ds:itemID="{8F1067A0-2CAD-4D0C-8108-16D4713322AF}">
+  <ds:schemaRefs>
+    <ds:schemaRef ds:uri="http://schemas.microsoft.com/sharepoint/v3/contenttype/forms"/>
+  </ds:schemaRefs>
+</ds:datastoreItem>
+</file>
+
+<file path=customXml/itemProps2.xml><?xml version="1.0" encoding="utf-8"?>
 <ds:datastoreItem xmlns:ds="http://schemas.openxmlformats.org/officeDocument/2006/customXml" ds:itemID="{F401040B-5601-4948-951E-794E363D39CB}">
   <ds:schemaRefs>
     <ds:schemaRef ds:uri="32e0b9af-762a-4089-b101-b74a352bf303"/>
@@ -29835,14 +29880,6 @@
     <ds:schemaRef ds:uri="http://schemas.microsoft.com/office/2006/metadata/properties"/>
     <ds:schemaRef ds:uri="http://purl.org/dc/dcmitype/"/>
     <ds:schemaRef ds:uri="http://purl.org/dc/elements/1.1/"/>
-  </ds:schemaRefs>
-</ds:datastoreItem>
-</file>
-
-<file path=customXml/itemProps2.xml><?xml version="1.0" encoding="utf-8"?>
-<ds:datastoreItem xmlns:ds="http://schemas.openxmlformats.org/officeDocument/2006/customXml" ds:itemID="{8F1067A0-2CAD-4D0C-8108-16D4713322AF}">
-  <ds:schemaRefs>
-    <ds:schemaRef ds:uri="http://schemas.microsoft.com/sharepoint/v3/contenttype/forms"/>
   </ds:schemaRefs>
 </ds:datastoreItem>
 </file>
